--- a/Exploratory Data Analysis on a Loans data of a Private Financial Firm.pptx
+++ b/Exploratory Data Analysis on a Loans data of a Private Financial Firm.pptx
@@ -35,8 +35,10 @@
     <p:sldId id="285" r:id="rId29"/>
     <p:sldId id="286" r:id="rId30"/>
     <p:sldId id="287" r:id="rId31"/>
-    <p:sldId id="281" r:id="rId32"/>
-    <p:sldId id="288" r:id="rId33"/>
+    <p:sldId id="289" r:id="rId32"/>
+    <p:sldId id="290" r:id="rId33"/>
+    <p:sldId id="281" r:id="rId34"/>
+    <p:sldId id="288" r:id="rId35"/>
   </p:sldIdLst>
   <p:sldSz cx="12192000" cy="6858000"/>
   <p:notesSz cx="6858000" cy="9144000"/>
@@ -865,7 +867,7 @@
           <a:p>
             <a:fld id="{9B555EBB-C2E4-4D1F-B769-E7D4B11FB5E4}" type="datetimeFigureOut">
               <a:rPr lang="en-IN" smtClean="0"/>
-              <a:t>02-05-2024</a:t>
+              <a:t>03-05-2024</a:t>
             </a:fld>
             <a:endParaRPr lang="en-IN"/>
           </a:p>
@@ -1116,7 +1118,7 @@
           <a:p>
             <a:fld id="{9B555EBB-C2E4-4D1F-B769-E7D4B11FB5E4}" type="datetimeFigureOut">
               <a:rPr lang="en-IN" smtClean="0"/>
-              <a:t>02-05-2024</a:t>
+              <a:t>03-05-2024</a:t>
             </a:fld>
             <a:endParaRPr lang="en-IN"/>
           </a:p>
@@ -1430,7 +1432,7 @@
           <a:p>
             <a:fld id="{9B555EBB-C2E4-4D1F-B769-E7D4B11FB5E4}" type="datetimeFigureOut">
               <a:rPr lang="en-IN" smtClean="0"/>
-              <a:t>02-05-2024</a:t>
+              <a:t>03-05-2024</a:t>
             </a:fld>
             <a:endParaRPr lang="en-IN"/>
           </a:p>
@@ -1771,7 +1773,7 @@
           <a:p>
             <a:fld id="{9B555EBB-C2E4-4D1F-B769-E7D4B11FB5E4}" type="datetimeFigureOut">
               <a:rPr lang="en-IN" smtClean="0"/>
-              <a:t>02-05-2024</a:t>
+              <a:t>03-05-2024</a:t>
             </a:fld>
             <a:endParaRPr lang="en-IN"/>
           </a:p>
@@ -2085,7 +2087,7 @@
           <a:p>
             <a:fld id="{9B555EBB-C2E4-4D1F-B769-E7D4B11FB5E4}" type="datetimeFigureOut">
               <a:rPr lang="en-IN" smtClean="0"/>
-              <a:t>02-05-2024</a:t>
+              <a:t>03-05-2024</a:t>
             </a:fld>
             <a:endParaRPr lang="en-IN"/>
           </a:p>
@@ -2478,7 +2480,7 @@
           <a:p>
             <a:fld id="{9B555EBB-C2E4-4D1F-B769-E7D4B11FB5E4}" type="datetimeFigureOut">
               <a:rPr lang="en-IN" smtClean="0"/>
-              <a:t>02-05-2024</a:t>
+              <a:t>03-05-2024</a:t>
             </a:fld>
             <a:endParaRPr lang="en-IN"/>
           </a:p>
@@ -2648,7 +2650,7 @@
           <a:p>
             <a:fld id="{9B555EBB-C2E4-4D1F-B769-E7D4B11FB5E4}" type="datetimeFigureOut">
               <a:rPr lang="en-IN" smtClean="0"/>
-              <a:t>02-05-2024</a:t>
+              <a:t>03-05-2024</a:t>
             </a:fld>
             <a:endParaRPr lang="en-IN"/>
           </a:p>
@@ -2828,7 +2830,7 @@
           <a:p>
             <a:fld id="{9B555EBB-C2E4-4D1F-B769-E7D4B11FB5E4}" type="datetimeFigureOut">
               <a:rPr lang="en-IN" smtClean="0"/>
-              <a:t>02-05-2024</a:t>
+              <a:t>03-05-2024</a:t>
             </a:fld>
             <a:endParaRPr lang="en-IN"/>
           </a:p>
@@ -3004,7 +3006,7 @@
           <a:p>
             <a:fld id="{9B555EBB-C2E4-4D1F-B769-E7D4B11FB5E4}" type="datetimeFigureOut">
               <a:rPr lang="en-IN" smtClean="0"/>
-              <a:t>02-05-2024</a:t>
+              <a:t>03-05-2024</a:t>
             </a:fld>
             <a:endParaRPr lang="en-IN"/>
           </a:p>
@@ -3251,7 +3253,7 @@
           <a:p>
             <a:fld id="{9B555EBB-C2E4-4D1F-B769-E7D4B11FB5E4}" type="datetimeFigureOut">
               <a:rPr lang="en-IN" smtClean="0"/>
-              <a:t>02-05-2024</a:t>
+              <a:t>03-05-2024</a:t>
             </a:fld>
             <a:endParaRPr lang="en-IN"/>
           </a:p>
@@ -3483,7 +3485,7 @@
           <a:p>
             <a:fld id="{9B555EBB-C2E4-4D1F-B769-E7D4B11FB5E4}" type="datetimeFigureOut">
               <a:rPr lang="en-IN" smtClean="0"/>
-              <a:t>02-05-2024</a:t>
+              <a:t>03-05-2024</a:t>
             </a:fld>
             <a:endParaRPr lang="en-IN"/>
           </a:p>
@@ -3857,7 +3859,7 @@
           <a:p>
             <a:fld id="{9B555EBB-C2E4-4D1F-B769-E7D4B11FB5E4}" type="datetimeFigureOut">
               <a:rPr lang="en-IN" smtClean="0"/>
-              <a:t>02-05-2024</a:t>
+              <a:t>03-05-2024</a:t>
             </a:fld>
             <a:endParaRPr lang="en-IN"/>
           </a:p>
@@ -3980,7 +3982,7 @@
           <a:p>
             <a:fld id="{9B555EBB-C2E4-4D1F-B769-E7D4B11FB5E4}" type="datetimeFigureOut">
               <a:rPr lang="en-IN" smtClean="0"/>
-              <a:t>02-05-2024</a:t>
+              <a:t>03-05-2024</a:t>
             </a:fld>
             <a:endParaRPr lang="en-IN"/>
           </a:p>
@@ -4075,7 +4077,7 @@
           <a:p>
             <a:fld id="{9B555EBB-C2E4-4D1F-B769-E7D4B11FB5E4}" type="datetimeFigureOut">
               <a:rPr lang="en-IN" smtClean="0"/>
-              <a:t>02-05-2024</a:t>
+              <a:t>03-05-2024</a:t>
             </a:fld>
             <a:endParaRPr lang="en-IN"/>
           </a:p>
@@ -4330,7 +4332,7 @@
           <a:p>
             <a:fld id="{9B555EBB-C2E4-4D1F-B769-E7D4B11FB5E4}" type="datetimeFigureOut">
               <a:rPr lang="en-IN" smtClean="0"/>
-              <a:t>02-05-2024</a:t>
+              <a:t>03-05-2024</a:t>
             </a:fld>
             <a:endParaRPr lang="en-IN"/>
           </a:p>
@@ -4593,7 +4595,7 @@
           <a:p>
             <a:fld id="{9B555EBB-C2E4-4D1F-B769-E7D4B11FB5E4}" type="datetimeFigureOut">
               <a:rPr lang="en-IN" smtClean="0"/>
-              <a:t>02-05-2024</a:t>
+              <a:t>03-05-2024</a:t>
             </a:fld>
             <a:endParaRPr lang="en-IN"/>
           </a:p>
@@ -5336,7 +5338,7 @@
           <a:p>
             <a:fld id="{9B555EBB-C2E4-4D1F-B769-E7D4B11FB5E4}" type="datetimeFigureOut">
               <a:rPr lang="en-IN" smtClean="0"/>
-              <a:t>02-05-2024</a:t>
+              <a:t>03-05-2024</a:t>
             </a:fld>
             <a:endParaRPr lang="en-IN"/>
           </a:p>
@@ -8234,6 +8236,36 @@
           </a:prstGeom>
         </p:spPr>
       </p:pic>
+      <p:pic>
+        <p:nvPicPr>
+          <p:cNvPr id="3" name="Picture 2">
+            <a:extLst>
+              <a:ext uri="{FF2B5EF4-FFF2-40B4-BE49-F238E27FC236}">
+                <a16:creationId xmlns:a16="http://schemas.microsoft.com/office/drawing/2014/main" id="{C9B68A81-26AF-445D-B1AF-018AEAFCB229}"/>
+              </a:ext>
+            </a:extLst>
+          </p:cNvPr>
+          <p:cNvPicPr>
+            <a:picLocks noChangeAspect="1"/>
+          </p:cNvPicPr>
+          <p:nvPr/>
+        </p:nvPicPr>
+        <p:blipFill>
+          <a:blip r:embed="rId4"/>
+          <a:stretch>
+            <a:fillRect/>
+          </a:stretch>
+        </p:blipFill>
+        <p:spPr>
+          <a:xfrm>
+            <a:off x="4265237" y="4453815"/>
+            <a:ext cx="6160391" cy="981636"/>
+          </a:xfrm>
+          <a:prstGeom prst="rect">
+            <a:avLst/>
+          </a:prstGeom>
+        </p:spPr>
+      </p:pic>
     </p:spTree>
     <p:extLst>
       <p:ext uri="{BB962C8B-B14F-4D97-AF65-F5344CB8AC3E}">
@@ -8317,6 +8349,36 @@
           <a:xfrm>
             <a:off x="253082" y="3206041"/>
             <a:ext cx="6468378" cy="3458058"/>
+          </a:xfrm>
+          <a:prstGeom prst="rect">
+            <a:avLst/>
+          </a:prstGeom>
+        </p:spPr>
+      </p:pic>
+      <p:pic>
+        <p:nvPicPr>
+          <p:cNvPr id="3" name="Picture 2">
+            <a:extLst>
+              <a:ext uri="{FF2B5EF4-FFF2-40B4-BE49-F238E27FC236}">
+                <a16:creationId xmlns:a16="http://schemas.microsoft.com/office/drawing/2014/main" id="{42C47D80-CA5B-404D-8CEC-B8CB0C5593E1}"/>
+              </a:ext>
+            </a:extLst>
+          </p:cNvPr>
+          <p:cNvPicPr>
+            <a:picLocks noChangeAspect="1"/>
+          </p:cNvPicPr>
+          <p:nvPr/>
+        </p:nvPicPr>
+        <p:blipFill>
+          <a:blip r:embed="rId4"/>
+          <a:stretch>
+            <a:fillRect/>
+          </a:stretch>
+        </p:blipFill>
+        <p:spPr>
+          <a:xfrm>
+            <a:off x="6627330" y="4498040"/>
+            <a:ext cx="3484858" cy="584948"/>
           </a:xfrm>
           <a:prstGeom prst="rect">
             <a:avLst/>
@@ -8412,6 +8474,36 @@
           </a:prstGeom>
         </p:spPr>
       </p:pic>
+      <p:pic>
+        <p:nvPicPr>
+          <p:cNvPr id="3" name="Picture 2">
+            <a:extLst>
+              <a:ext uri="{FF2B5EF4-FFF2-40B4-BE49-F238E27FC236}">
+                <a16:creationId xmlns:a16="http://schemas.microsoft.com/office/drawing/2014/main" id="{A56BAEC5-451E-4FD3-AA2A-4E4673B7C273}"/>
+              </a:ext>
+            </a:extLst>
+          </p:cNvPr>
+          <p:cNvPicPr>
+            <a:picLocks noChangeAspect="1"/>
+          </p:cNvPicPr>
+          <p:nvPr/>
+        </p:nvPicPr>
+        <p:blipFill>
+          <a:blip r:embed="rId4"/>
+          <a:stretch>
+            <a:fillRect/>
+          </a:stretch>
+        </p:blipFill>
+        <p:spPr>
+          <a:xfrm>
+            <a:off x="6818288" y="4342975"/>
+            <a:ext cx="3267006" cy="484094"/>
+          </a:xfrm>
+          <a:prstGeom prst="rect">
+            <a:avLst/>
+          </a:prstGeom>
+        </p:spPr>
+      </p:pic>
     </p:spTree>
     <p:extLst>
       <p:ext uri="{BB962C8B-B14F-4D97-AF65-F5344CB8AC3E}">
@@ -8501,6 +8593,57 @@
           </a:prstGeom>
         </p:spPr>
       </p:pic>
+      <p:sp>
+        <p:nvSpPr>
+          <p:cNvPr id="9" name="TextBox 8">
+            <a:extLst>
+              <a:ext uri="{FF2B5EF4-FFF2-40B4-BE49-F238E27FC236}">
+                <a16:creationId xmlns:a16="http://schemas.microsoft.com/office/drawing/2014/main" id="{A82C855F-12B4-45C3-8CFC-EFC63B71CEC9}"/>
+              </a:ext>
+            </a:extLst>
+          </p:cNvPr>
+          <p:cNvSpPr txBox="1"/>
+          <p:nvPr/>
+        </p:nvSpPr>
+        <p:spPr>
+          <a:xfrm>
+            <a:off x="5863999" y="2835559"/>
+            <a:ext cx="5382375" cy="1015663"/>
+          </a:xfrm>
+          <a:prstGeom prst="rect">
+            <a:avLst/>
+          </a:prstGeom>
+          <a:noFill/>
+        </p:spPr>
+        <p:txBody>
+          <a:bodyPr wrap="square">
+            <a:spAutoFit/>
+          </a:bodyPr>
+          <a:lstStyle/>
+          <a:p>
+            <a:br>
+              <a:rPr lang="en-US" b="1" i="0" dirty="0">
+                <a:solidFill>
+                  <a:srgbClr val="000000"/>
+                </a:solidFill>
+                <a:effectLst/>
+                <a:latin typeface="Helvetica Neue"/>
+              </a:rPr>
+            </a:br>
+            <a:r>
+              <a:rPr lang="en-US" sz="1400" b="1" i="0" dirty="0">
+                <a:solidFill>
+                  <a:srgbClr val="000000"/>
+                </a:solidFill>
+                <a:effectLst/>
+                <a:latin typeface="Helvetica Neue"/>
+              </a:rPr>
+              <a:t>1147 customers are mortgage loans to owner the home and rent home ownership is 1146. Most of the customers are having these two ownerships </a:t>
+            </a:r>
+            <a:endParaRPr lang="en-IN" sz="1400" dirty="0"/>
+          </a:p>
+        </p:txBody>
+      </p:sp>
     </p:spTree>
     <p:extLst>
       <p:ext uri="{BB962C8B-B14F-4D97-AF65-F5344CB8AC3E}">
@@ -8590,6 +8733,48 @@
           </a:prstGeom>
         </p:spPr>
       </p:pic>
+      <p:sp>
+        <p:nvSpPr>
+          <p:cNvPr id="6" name="TextBox 5">
+            <a:extLst>
+              <a:ext uri="{FF2B5EF4-FFF2-40B4-BE49-F238E27FC236}">
+                <a16:creationId xmlns:a16="http://schemas.microsoft.com/office/drawing/2014/main" id="{F136343A-C01A-4974-9FFB-F49A7FB79701}"/>
+              </a:ext>
+            </a:extLst>
+          </p:cNvPr>
+          <p:cNvSpPr txBox="1"/>
+          <p:nvPr/>
+        </p:nvSpPr>
+        <p:spPr>
+          <a:xfrm>
+            <a:off x="6293224" y="3112558"/>
+            <a:ext cx="5338482" cy="646331"/>
+          </a:xfrm>
+          <a:prstGeom prst="rect">
+            <a:avLst/>
+          </a:prstGeom>
+          <a:noFill/>
+        </p:spPr>
+        <p:txBody>
+          <a:bodyPr wrap="square">
+            <a:spAutoFit/>
+          </a:bodyPr>
+          <a:lstStyle/>
+          <a:p>
+            <a:r>
+              <a:rPr lang="en-US" b="1" i="0" dirty="0">
+                <a:solidFill>
+                  <a:srgbClr val="000000"/>
+                </a:solidFill>
+                <a:effectLst/>
+                <a:latin typeface="Helvetica Neue"/>
+              </a:rPr>
+              <a:t>Here the Employment Length increase then the loan length decreases</a:t>
+            </a:r>
+            <a:endParaRPr lang="en-IN" dirty="0"/>
+          </a:p>
+        </p:txBody>
+      </p:sp>
     </p:spTree>
     <p:extLst>
       <p:ext uri="{BB962C8B-B14F-4D97-AF65-F5344CB8AC3E}">
@@ -8773,10 +8958,10 @@
       </p:grpSpPr>
       <p:pic>
         <p:nvPicPr>
-          <p:cNvPr id="5" name="Content Placeholder 4">
+          <p:cNvPr id="6" name="Content Placeholder 5">
             <a:extLst>
               <a:ext uri="{FF2B5EF4-FFF2-40B4-BE49-F238E27FC236}">
-                <a16:creationId xmlns:a16="http://schemas.microsoft.com/office/drawing/2014/main" id="{BF08A989-AF4A-4F9B-ACB9-49EC89BB9F77}"/>
+                <a16:creationId xmlns:a16="http://schemas.microsoft.com/office/drawing/2014/main" id="{84843912-1DEA-462C-B8BA-7504CC398852}"/>
               </a:ext>
             </a:extLst>
           </p:cNvPr>
@@ -8795,17 +8980,17 @@
         </p:blipFill>
         <p:spPr>
           <a:xfrm>
-            <a:off x="908854" y="321088"/>
-            <a:ext cx="5693652" cy="2650712"/>
+            <a:off x="699248" y="257407"/>
+            <a:ext cx="7005918" cy="2001699"/>
           </a:xfrm>
         </p:spPr>
       </p:pic>
       <p:pic>
         <p:nvPicPr>
-          <p:cNvPr id="7" name="Picture 6">
+          <p:cNvPr id="11" name="Picture 10">
             <a:extLst>
               <a:ext uri="{FF2B5EF4-FFF2-40B4-BE49-F238E27FC236}">
-                <a16:creationId xmlns:a16="http://schemas.microsoft.com/office/drawing/2014/main" id="{4886DB5D-7254-48E6-A1B3-F428F619D30D}"/>
+                <a16:creationId xmlns:a16="http://schemas.microsoft.com/office/drawing/2014/main" id="{6B9E3056-9431-4643-92D7-6A4C4B78FD0A}"/>
               </a:ext>
             </a:extLst>
           </p:cNvPr>
@@ -8822,14 +9007,76 @@
         </p:blipFill>
         <p:spPr>
           <a:xfrm>
-            <a:off x="403413" y="2666415"/>
-            <a:ext cx="6051176" cy="4191585"/>
+            <a:off x="558054" y="2454999"/>
+            <a:ext cx="6642846" cy="3229426"/>
           </a:xfrm>
           <a:prstGeom prst="rect">
             <a:avLst/>
           </a:prstGeom>
         </p:spPr>
       </p:pic>
+      <p:sp>
+        <p:nvSpPr>
+          <p:cNvPr id="13" name="TextBox 12">
+            <a:extLst>
+              <a:ext uri="{FF2B5EF4-FFF2-40B4-BE49-F238E27FC236}">
+                <a16:creationId xmlns:a16="http://schemas.microsoft.com/office/drawing/2014/main" id="{728AE699-028A-4411-AA8D-F30F94494EC4}"/>
+              </a:ext>
+            </a:extLst>
+          </p:cNvPr>
+          <p:cNvSpPr txBox="1"/>
+          <p:nvPr/>
+        </p:nvSpPr>
+        <p:spPr>
+          <a:xfrm>
+            <a:off x="484094" y="5880318"/>
+            <a:ext cx="8108575" cy="646331"/>
+          </a:xfrm>
+          <a:prstGeom prst="rect">
+            <a:avLst/>
+          </a:prstGeom>
+          <a:noFill/>
+        </p:spPr>
+        <p:txBody>
+          <a:bodyPr wrap="square">
+            <a:spAutoFit/>
+          </a:bodyPr>
+          <a:lstStyle/>
+          <a:p>
+            <a:r>
+              <a:rPr lang="en-US" b="1" i="0" dirty="0">
+                <a:solidFill>
+                  <a:srgbClr val="000000"/>
+                </a:solidFill>
+                <a:effectLst/>
+                <a:latin typeface="Helvetica Neue"/>
+              </a:rPr>
+              <a:t>Most of the customers requested amount </a:t>
+            </a:r>
+            <a:r>
+              <a:rPr lang="en-US" b="1" i="0" dirty="0" err="1">
+                <a:solidFill>
+                  <a:srgbClr val="000000"/>
+                </a:solidFill>
+                <a:effectLst/>
+                <a:latin typeface="Helvetica Neue"/>
+              </a:rPr>
+              <a:t>upto</a:t>
+            </a:r>
+            <a:r>
+              <a:rPr lang="en-US" b="1" i="0" dirty="0">
+                <a:solidFill>
+                  <a:srgbClr val="000000"/>
+                </a:solidFill>
+                <a:effectLst/>
+                <a:latin typeface="Helvetica Neue"/>
+              </a:rPr>
+              <a:t> 15000 and mostly fetches the interest rate between 7.5 and 17.5</a:t>
+            </a:r>
+            <a:endParaRPr lang="en-IN" dirty="0"/>
+          </a:p>
+        </p:txBody>
+      </p:sp>
     </p:spTree>
     <p:extLst>
       <p:ext uri="{BB962C8B-B14F-4D97-AF65-F5344CB8AC3E}">
@@ -8860,6 +9107,184 @@
           <a:chExt cx="0" cy="0"/>
         </a:xfrm>
       </p:grpSpPr>
+      <p:pic>
+        <p:nvPicPr>
+          <p:cNvPr id="6" name="Content Placeholder 5">
+            <a:extLst>
+              <a:ext uri="{FF2B5EF4-FFF2-40B4-BE49-F238E27FC236}">
+                <a16:creationId xmlns:a16="http://schemas.microsoft.com/office/drawing/2014/main" id="{27628D98-25B7-4457-83A9-6C1424E07E2F}"/>
+              </a:ext>
+            </a:extLst>
+          </p:cNvPr>
+          <p:cNvPicPr>
+            <a:picLocks noGrp="1" noChangeAspect="1"/>
+          </p:cNvPicPr>
+          <p:nvPr>
+            <p:ph idx="1"/>
+          </p:nvPr>
+        </p:nvPicPr>
+        <p:blipFill>
+          <a:blip r:embed="rId2"/>
+          <a:stretch>
+            <a:fillRect/>
+          </a:stretch>
+        </p:blipFill>
+        <p:spPr>
+          <a:xfrm>
+            <a:off x="984413" y="554026"/>
+            <a:ext cx="5564305" cy="1610949"/>
+          </a:xfrm>
+        </p:spPr>
+      </p:pic>
+      <p:pic>
+        <p:nvPicPr>
+          <p:cNvPr id="8" name="Picture 7">
+            <a:extLst>
+              <a:ext uri="{FF2B5EF4-FFF2-40B4-BE49-F238E27FC236}">
+                <a16:creationId xmlns:a16="http://schemas.microsoft.com/office/drawing/2014/main" id="{F99E8AFF-B258-4F1B-B6B4-E6D57C1F5D80}"/>
+              </a:ext>
+            </a:extLst>
+          </p:cNvPr>
+          <p:cNvPicPr>
+            <a:picLocks noChangeAspect="1"/>
+          </p:cNvPicPr>
+          <p:nvPr/>
+        </p:nvPicPr>
+        <p:blipFill>
+          <a:blip r:embed="rId3"/>
+          <a:stretch>
+            <a:fillRect/>
+          </a:stretch>
+        </p:blipFill>
+        <p:spPr>
+          <a:xfrm>
+            <a:off x="820271" y="2405115"/>
+            <a:ext cx="7046257" cy="3767085"/>
+          </a:xfrm>
+          <a:prstGeom prst="rect">
+            <a:avLst/>
+          </a:prstGeom>
+        </p:spPr>
+      </p:pic>
+    </p:spTree>
+    <p:extLst>
+      <p:ext uri="{BB962C8B-B14F-4D97-AF65-F5344CB8AC3E}">
+        <p14:creationId xmlns:p14="http://schemas.microsoft.com/office/powerpoint/2010/main" val="1995252065"/>
+      </p:ext>
+    </p:extLst>
+  </p:cSld>
+  <p:clrMapOvr>
+    <a:masterClrMapping/>
+  </p:clrMapOvr>
+</p:sld>
+</file>
+
+<file path=ppt/slides/slide32.xml><?xml version="1.0" encoding="utf-8"?>
+<p:sld xmlns:a="http://schemas.openxmlformats.org/drawingml/2006/main" xmlns:r="http://schemas.openxmlformats.org/officeDocument/2006/relationships" xmlns:p="http://schemas.openxmlformats.org/presentationml/2006/main">
+  <p:cSld>
+    <p:spTree>
+      <p:nvGrpSpPr>
+        <p:cNvPr id="1" name=""/>
+        <p:cNvGrpSpPr/>
+        <p:nvPr/>
+      </p:nvGrpSpPr>
+      <p:grpSpPr>
+        <a:xfrm>
+          <a:off x="0" y="0"/>
+          <a:ext cx="0" cy="0"/>
+          <a:chOff x="0" y="0"/>
+          <a:chExt cx="0" cy="0"/>
+        </a:xfrm>
+      </p:grpSpPr>
+      <p:pic>
+        <p:nvPicPr>
+          <p:cNvPr id="5" name="Content Placeholder 4">
+            <a:extLst>
+              <a:ext uri="{FF2B5EF4-FFF2-40B4-BE49-F238E27FC236}">
+                <a16:creationId xmlns:a16="http://schemas.microsoft.com/office/drawing/2014/main" id="{B0F8C84B-4B28-4584-9B6B-8EB5270F561C}"/>
+              </a:ext>
+            </a:extLst>
+          </p:cNvPr>
+          <p:cNvPicPr>
+            <a:picLocks noGrp="1" noChangeAspect="1"/>
+          </p:cNvPicPr>
+          <p:nvPr>
+            <p:ph idx="1"/>
+          </p:nvPr>
+        </p:nvPicPr>
+        <p:blipFill>
+          <a:blip r:embed="rId2"/>
+          <a:stretch>
+            <a:fillRect/>
+          </a:stretch>
+        </p:blipFill>
+        <p:spPr>
+          <a:xfrm>
+            <a:off x="766482" y="1344706"/>
+            <a:ext cx="6695909" cy="5123329"/>
+          </a:xfrm>
+        </p:spPr>
+      </p:pic>
+      <p:pic>
+        <p:nvPicPr>
+          <p:cNvPr id="7" name="Picture 6">
+            <a:extLst>
+              <a:ext uri="{FF2B5EF4-FFF2-40B4-BE49-F238E27FC236}">
+                <a16:creationId xmlns:a16="http://schemas.microsoft.com/office/drawing/2014/main" id="{1668FE31-B1F4-4663-8EF4-5FB4F1C3A02B}"/>
+              </a:ext>
+            </a:extLst>
+          </p:cNvPr>
+          <p:cNvPicPr>
+            <a:picLocks noChangeAspect="1"/>
+          </p:cNvPicPr>
+          <p:nvPr/>
+        </p:nvPicPr>
+        <p:blipFill>
+          <a:blip r:embed="rId3"/>
+          <a:stretch>
+            <a:fillRect/>
+          </a:stretch>
+        </p:blipFill>
+        <p:spPr>
+          <a:xfrm>
+            <a:off x="766482" y="645460"/>
+            <a:ext cx="2447365" cy="511570"/>
+          </a:xfrm>
+          <a:prstGeom prst="rect">
+            <a:avLst/>
+          </a:prstGeom>
+        </p:spPr>
+      </p:pic>
+    </p:spTree>
+    <p:extLst>
+      <p:ext uri="{BB962C8B-B14F-4D97-AF65-F5344CB8AC3E}">
+        <p14:creationId xmlns:p14="http://schemas.microsoft.com/office/powerpoint/2010/main" val="3895704250"/>
+      </p:ext>
+    </p:extLst>
+  </p:cSld>
+  <p:clrMapOvr>
+    <a:masterClrMapping/>
+  </p:clrMapOvr>
+</p:sld>
+</file>
+
+<file path=ppt/slides/slide33.xml><?xml version="1.0" encoding="utf-8"?>
+<p:sld xmlns:a="http://schemas.openxmlformats.org/drawingml/2006/main" xmlns:r="http://schemas.openxmlformats.org/officeDocument/2006/relationships" xmlns:p="http://schemas.openxmlformats.org/presentationml/2006/main">
+  <p:cSld>
+    <p:spTree>
+      <p:nvGrpSpPr>
+        <p:cNvPr id="1" name=""/>
+        <p:cNvGrpSpPr/>
+        <p:nvPr/>
+      </p:nvGrpSpPr>
+      <p:grpSpPr>
+        <a:xfrm>
+          <a:off x="0" y="0"/>
+          <a:ext cx="0" cy="0"/>
+          <a:chOff x="0" y="0"/>
+          <a:chExt cx="0" cy="0"/>
+        </a:xfrm>
+      </p:grpSpPr>
       <p:sp>
         <p:nvSpPr>
           <p:cNvPr id="3" name="Content Placeholder 2">
@@ -8985,7 +9410,7 @@
 </p:sld>
 </file>
 
-<file path=ppt/slides/slide32.xml><?xml version="1.0" encoding="utf-8"?>
+<file path=ppt/slides/slide34.xml><?xml version="1.0" encoding="utf-8"?>
 <p:sld xmlns:a="http://schemas.openxmlformats.org/drawingml/2006/main" xmlns:r="http://schemas.openxmlformats.org/officeDocument/2006/relationships" xmlns:p="http://schemas.openxmlformats.org/presentationml/2006/main">
   <p:cSld>
     <p:spTree>
